--- a/Presentation/src/Documentation/LunchLearn_ReactiveStreams_RxJava.pptx
+++ b/Presentation/src/Documentation/LunchLearn_ReactiveStreams_RxJava.pptx
@@ -6,10 +6,10 @@
     <p:sldMasterId id="2147483757" r:id="rId5"/>
   </p:sldMasterIdLst>
   <p:notesMasterIdLst>
-    <p:notesMasterId r:id="rId27"/>
+    <p:notesMasterId r:id="rId30"/>
   </p:notesMasterIdLst>
   <p:handoutMasterIdLst>
-    <p:handoutMasterId r:id="rId28"/>
+    <p:handoutMasterId r:id="rId31"/>
   </p:handoutMasterIdLst>
   <p:sldIdLst>
     <p:sldId id="437" r:id="rId6"/>
@@ -31,13 +31,16 @@
     <p:sldId id="462" r:id="rId22"/>
     <p:sldId id="465" r:id="rId23"/>
     <p:sldId id="453" r:id="rId24"/>
-    <p:sldId id="446" r:id="rId25"/>
-    <p:sldId id="343" r:id="rId26"/>
+    <p:sldId id="467" r:id="rId25"/>
+    <p:sldId id="468" r:id="rId26"/>
+    <p:sldId id="469" r:id="rId27"/>
+    <p:sldId id="446" r:id="rId28"/>
+    <p:sldId id="343" r:id="rId29"/>
   </p:sldIdLst>
   <p:sldSz cx="12192000" cy="6858000"/>
   <p:notesSz cx="7315200" cy="9601200"/>
   <p:custDataLst>
-    <p:tags r:id="rId29"/>
+    <p:tags r:id="rId32"/>
   </p:custDataLst>
   <p:defaultTextStyle>
     <a:defPPr>
@@ -273,7 +276,7 @@
               <a:rPr lang="en-US" smtClean="0">
                 <a:latin typeface="Arial" panose="020B0604020202020204" pitchFamily="34" charset="0"/>
               </a:rPr>
-              <a:t>3/30/18</a:t>
+              <a:t>4/3/18</a:t>
             </a:fld>
             <a:endParaRPr lang="en-US" dirty="0">
               <a:latin typeface="Arial" panose="020B0604020202020204" pitchFamily="34" charset="0"/>
@@ -452,7 +455,7 @@
             <a:fld id="{0BA5BBE4-AEA3-489A-A28E-0C2FAF2506E3}" type="datetimeFigureOut">
               <a:rPr lang="en-US" smtClean="0"/>
               <a:pPr/>
-              <a:t>3/30/18</a:t>
+              <a:t>4/3/18</a:t>
             </a:fld>
             <a:endParaRPr lang="en-US" dirty="0"/>
           </a:p>
@@ -888,7 +891,7 @@
             <a:fld id="{C0F4A2C8-6C88-4E71-83EE-698B9D4FE22F}" type="slidenum">
               <a:rPr lang="en-US" smtClean="0"/>
               <a:pPr/>
-              <a:t>21</a:t>
+              <a:t>24</a:t>
             </a:fld>
             <a:endParaRPr lang="en-US" dirty="0"/>
           </a:p>
@@ -43682,7 +43685,7 @@
           <a:graphicData uri="http://schemas.openxmlformats.org/presentationml/2006/ole">
             <mc:AlternateContent xmlns:mc="http://schemas.openxmlformats.org/markup-compatibility/2006">
               <mc:Choice xmlns:v="urn:schemas-microsoft-com:vml" Requires="v">
-                <p:oleObj spid="_x0000_s2405" name="think-cell Slide" r:id="rId44" imgW="270" imgH="270" progId="TCLayout.ActiveDocument.1">
+                <p:oleObj spid="_x0000_s2411" name="think-cell Slide" r:id="rId44" imgW="270" imgH="270" progId="TCLayout.ActiveDocument.1">
                   <p:embed/>
                 </p:oleObj>
               </mc:Choice>
@@ -44458,7 +44461,7 @@
           <a:graphicData uri="http://schemas.openxmlformats.org/presentationml/2006/ole">
             <mc:AlternateContent xmlns:mc="http://schemas.openxmlformats.org/markup-compatibility/2006">
               <mc:Choice xmlns:v="urn:schemas-microsoft-com:vml" Requires="v">
-                <p:oleObj spid="_x0000_s10338" name="think-cell Slide" r:id="rId45" imgW="270" imgH="270" progId="TCLayout.ActiveDocument.1">
+                <p:oleObj spid="_x0000_s10344" name="think-cell Slide" r:id="rId45" imgW="270" imgH="270" progId="TCLayout.ActiveDocument.1">
                   <p:embed/>
                 </p:oleObj>
               </mc:Choice>
@@ -45695,7 +45698,7 @@
             </a:r>
             <a:r>
               <a:rPr lang="en-US" dirty="0"/>
-              <a:t>("Sched-A-%d")););</a:t>
+              <a:t>("Sched-A-%d")));</a:t>
             </a:r>
             <a:endParaRPr lang="en-US" sz="1400" b="1" dirty="0"/>
           </a:p>
@@ -46142,7 +46145,7 @@
             </a:r>
             <a:r>
               <a:rPr lang="en-US" b="0" dirty="0"/>
-              <a:t>(“One”, “Two”, “Three”)</a:t>
+              <a:t>(“One”, “Two”, “Three”))</a:t>
             </a:r>
           </a:p>
           <a:p>
@@ -46337,9 +46340,13 @@
           <a:bodyPr/>
           <a:lstStyle/>
           <a:p>
-            <a:r>
-              <a:rPr lang="en-US" b="1" dirty="0"/>
-              <a:t>4. Zip </a:t>
+            <a:pPr marL="171450" indent="-171450">
+              <a:buFont typeface="Arial" panose="020B0604020202020204" pitchFamily="34" charset="0"/>
+              <a:buChar char="•"/>
+            </a:pPr>
+            <a:r>
+              <a:rPr lang="en-US" b="1"/>
+              <a:t>Zip </a:t>
             </a:r>
             <a:r>
               <a:rPr lang="en-US" b="0" dirty="0"/>
@@ -47276,12 +47283,6 @@
           <a:p>
             <a:endParaRPr lang="en-US" dirty="0"/>
           </a:p>
-          <a:p>
-            <a:r>
-              <a:rPr lang="en-US" dirty="0"/>
-              <a:t>“Hot” and “Cold” Observables</a:t>
-            </a:r>
-          </a:p>
         </p:txBody>
       </p:sp>
       <p:sp>
@@ -47307,7 +47308,7 @@
           <a:p>
             <a:r>
               <a:rPr lang="en-US" dirty="0"/>
-              <a:t>Observable, Subscriber, Scheduler</a:t>
+              <a:t>“Hot” and “Cold” Observables</a:t>
             </a:r>
           </a:p>
         </p:txBody>
@@ -47720,6 +47721,642 @@
       </p:grpSpPr>
       <p:sp>
         <p:nvSpPr>
+          <p:cNvPr id="2" name="Text Placeholder 1">
+            <a:extLst>
+              <a:ext uri="{FF2B5EF4-FFF2-40B4-BE49-F238E27FC236}">
+                <a16:creationId xmlns:a16="http://schemas.microsoft.com/office/drawing/2014/main" id="{E913C90E-E7CC-B74B-8C8F-E4FAF7698D9B}"/>
+              </a:ext>
+            </a:extLst>
+          </p:cNvPr>
+          <p:cNvSpPr>
+            <a:spLocks noGrp="1"/>
+          </p:cNvSpPr>
+          <p:nvPr>
+            <p:ph type="body" sz="quarter" idx="13"/>
+          </p:nvPr>
+        </p:nvSpPr>
+        <p:spPr/>
+        <p:txBody>
+          <a:bodyPr/>
+          <a:lstStyle/>
+          <a:p>
+            <a:endParaRPr lang="en-US" dirty="0"/>
+          </a:p>
+          <a:p>
+            <a:r>
+              <a:rPr lang="en-US" dirty="0"/>
+              <a:t>Types of subjects/processors</a:t>
+            </a:r>
+          </a:p>
+        </p:txBody>
+      </p:sp>
+      <p:sp>
+        <p:nvSpPr>
+          <p:cNvPr id="3" name="Title 2">
+            <a:extLst>
+              <a:ext uri="{FF2B5EF4-FFF2-40B4-BE49-F238E27FC236}">
+                <a16:creationId xmlns:a16="http://schemas.microsoft.com/office/drawing/2014/main" id="{9A1FE457-F5AA-2F46-BE4B-46020B732273}"/>
+              </a:ext>
+            </a:extLst>
+          </p:cNvPr>
+          <p:cNvSpPr>
+            <a:spLocks noGrp="1"/>
+          </p:cNvSpPr>
+          <p:nvPr>
+            <p:ph type="title"/>
+          </p:nvPr>
+        </p:nvSpPr>
+        <p:spPr/>
+        <p:txBody>
+          <a:bodyPr/>
+          <a:lstStyle/>
+          <a:p>
+            <a:r>
+              <a:rPr lang="en-US" dirty="0"/>
+              <a:t>“Hot” and “Cold” Observables</a:t>
+            </a:r>
+          </a:p>
+        </p:txBody>
+      </p:sp>
+      <p:sp>
+        <p:nvSpPr>
+          <p:cNvPr id="4" name="Content Placeholder 3">
+            <a:extLst>
+              <a:ext uri="{FF2B5EF4-FFF2-40B4-BE49-F238E27FC236}">
+                <a16:creationId xmlns:a16="http://schemas.microsoft.com/office/drawing/2014/main" id="{455999F2-0E5F-A74A-927F-27E1C500384C}"/>
+              </a:ext>
+            </a:extLst>
+          </p:cNvPr>
+          <p:cNvSpPr>
+            <a:spLocks noGrp="1"/>
+          </p:cNvSpPr>
+          <p:nvPr>
+            <p:ph idx="1"/>
+          </p:nvPr>
+        </p:nvSpPr>
+        <p:spPr/>
+        <p:txBody>
+          <a:bodyPr/>
+          <a:lstStyle/>
+          <a:p>
+            <a:pPr marL="171450" indent="-171450">
+              <a:buFont typeface="Arial" panose="020B0604020202020204" pitchFamily="34" charset="0"/>
+              <a:buChar char="•"/>
+            </a:pPr>
+            <a:r>
+              <a:rPr lang="en-US" sz="1600" b="1" dirty="0" err="1"/>
+              <a:t>PublishSubject</a:t>
+            </a:r>
+            <a:endParaRPr lang="en-US" sz="1600" b="1" dirty="0"/>
+          </a:p>
+          <a:p>
+            <a:pPr marL="406644" lvl="2" indent="-171450"/>
+            <a:r>
+              <a:rPr lang="en-US" sz="1400" dirty="0"/>
+              <a:t>A Subject that emits (multicasts) items to currently subscribed Observers and terminal events to current or late Observers.</a:t>
+            </a:r>
+            <a:br>
+              <a:rPr lang="en-US" sz="1400" dirty="0"/>
+            </a:br>
+            <a:endParaRPr lang="en-US" sz="1400" dirty="0"/>
+          </a:p>
+          <a:p>
+            <a:pPr marL="171450" indent="-171450">
+              <a:buFont typeface="Arial" panose="020B0604020202020204" pitchFamily="34" charset="0"/>
+              <a:buChar char="•"/>
+            </a:pPr>
+            <a:endParaRPr lang="en-US" dirty="0"/>
+          </a:p>
+          <a:p>
+            <a:br>
+              <a:rPr lang="en-US" dirty="0"/>
+            </a:br>
+            <a:endParaRPr lang="en-US" dirty="0"/>
+          </a:p>
+        </p:txBody>
+      </p:sp>
+      <p:pic>
+        <p:nvPicPr>
+          <p:cNvPr id="6" name="Picture 5">
+            <a:extLst>
+              <a:ext uri="{FF2B5EF4-FFF2-40B4-BE49-F238E27FC236}">
+                <a16:creationId xmlns:a16="http://schemas.microsoft.com/office/drawing/2014/main" id="{120D8CF0-D9E5-4347-A3E8-94434E0EC5B7}"/>
+              </a:ext>
+            </a:extLst>
+          </p:cNvPr>
+          <p:cNvPicPr>
+            <a:picLocks noChangeAspect="1"/>
+          </p:cNvPicPr>
+          <p:nvPr/>
+        </p:nvPicPr>
+        <p:blipFill>
+          <a:blip r:embed="rId2"/>
+          <a:stretch>
+            <a:fillRect/>
+          </a:stretch>
+        </p:blipFill>
+        <p:spPr>
+          <a:xfrm>
+            <a:off x="469900" y="2909570"/>
+            <a:ext cx="7023100" cy="3009900"/>
+          </a:xfrm>
+          <a:prstGeom prst="rect">
+            <a:avLst/>
+          </a:prstGeom>
+        </p:spPr>
+      </p:pic>
+    </p:spTree>
+    <p:extLst>
+      <p:ext uri="{BB962C8B-B14F-4D97-AF65-F5344CB8AC3E}">
+        <p14:creationId xmlns:p14="http://schemas.microsoft.com/office/powerpoint/2010/main" val="907002069"/>
+      </p:ext>
+    </p:extLst>
+  </p:cSld>
+  <p:clrMapOvr>
+    <a:masterClrMapping/>
+  </p:clrMapOvr>
+  <p:transition>
+    <p:fade/>
+  </p:transition>
+</p:sld>
+</file>
+
+<file path=ppt/slides/slide21.xml><?xml version="1.0" encoding="utf-8"?>
+<p:sld xmlns:a="http://schemas.openxmlformats.org/drawingml/2006/main" xmlns:r="http://schemas.openxmlformats.org/officeDocument/2006/relationships" xmlns:p="http://schemas.openxmlformats.org/presentationml/2006/main">
+  <p:cSld>
+    <p:spTree>
+      <p:nvGrpSpPr>
+        <p:cNvPr id="1" name=""/>
+        <p:cNvGrpSpPr/>
+        <p:nvPr/>
+      </p:nvGrpSpPr>
+      <p:grpSpPr>
+        <a:xfrm>
+          <a:off x="0" y="0"/>
+          <a:ext cx="0" cy="0"/>
+          <a:chOff x="0" y="0"/>
+          <a:chExt cx="0" cy="0"/>
+        </a:xfrm>
+      </p:grpSpPr>
+      <p:sp>
+        <p:nvSpPr>
+          <p:cNvPr id="2" name="Text Placeholder 1">
+            <a:extLst>
+              <a:ext uri="{FF2B5EF4-FFF2-40B4-BE49-F238E27FC236}">
+                <a16:creationId xmlns:a16="http://schemas.microsoft.com/office/drawing/2014/main" id="{E913C90E-E7CC-B74B-8C8F-E4FAF7698D9B}"/>
+              </a:ext>
+            </a:extLst>
+          </p:cNvPr>
+          <p:cNvSpPr>
+            <a:spLocks noGrp="1"/>
+          </p:cNvSpPr>
+          <p:nvPr>
+            <p:ph type="body" sz="quarter" idx="13"/>
+          </p:nvPr>
+        </p:nvSpPr>
+        <p:spPr/>
+        <p:txBody>
+          <a:bodyPr/>
+          <a:lstStyle/>
+          <a:p>
+            <a:endParaRPr lang="en-US" dirty="0"/>
+          </a:p>
+          <a:p>
+            <a:r>
+              <a:rPr lang="en-US" dirty="0"/>
+              <a:t>Types of subjects/processors</a:t>
+            </a:r>
+          </a:p>
+        </p:txBody>
+      </p:sp>
+      <p:sp>
+        <p:nvSpPr>
+          <p:cNvPr id="3" name="Title 2">
+            <a:extLst>
+              <a:ext uri="{FF2B5EF4-FFF2-40B4-BE49-F238E27FC236}">
+                <a16:creationId xmlns:a16="http://schemas.microsoft.com/office/drawing/2014/main" id="{9A1FE457-F5AA-2F46-BE4B-46020B732273}"/>
+              </a:ext>
+            </a:extLst>
+          </p:cNvPr>
+          <p:cNvSpPr>
+            <a:spLocks noGrp="1"/>
+          </p:cNvSpPr>
+          <p:nvPr>
+            <p:ph type="title"/>
+          </p:nvPr>
+        </p:nvSpPr>
+        <p:spPr/>
+        <p:txBody>
+          <a:bodyPr/>
+          <a:lstStyle/>
+          <a:p>
+            <a:r>
+              <a:rPr lang="en-US" dirty="0"/>
+              <a:t>“Hot” and “Cold” Observables</a:t>
+            </a:r>
+          </a:p>
+        </p:txBody>
+      </p:sp>
+      <p:sp>
+        <p:nvSpPr>
+          <p:cNvPr id="4" name="Content Placeholder 3">
+            <a:extLst>
+              <a:ext uri="{FF2B5EF4-FFF2-40B4-BE49-F238E27FC236}">
+                <a16:creationId xmlns:a16="http://schemas.microsoft.com/office/drawing/2014/main" id="{455999F2-0E5F-A74A-927F-27E1C500384C}"/>
+              </a:ext>
+            </a:extLst>
+          </p:cNvPr>
+          <p:cNvSpPr>
+            <a:spLocks noGrp="1"/>
+          </p:cNvSpPr>
+          <p:nvPr>
+            <p:ph idx="1"/>
+          </p:nvPr>
+        </p:nvSpPr>
+        <p:spPr/>
+        <p:txBody>
+          <a:bodyPr/>
+          <a:lstStyle/>
+          <a:p>
+            <a:pPr marL="171450" indent="-171450">
+              <a:buFont typeface="Arial" panose="020B0604020202020204" pitchFamily="34" charset="0"/>
+              <a:buChar char="•"/>
+            </a:pPr>
+            <a:r>
+              <a:rPr lang="en-US" sz="1600" b="1" dirty="0" err="1"/>
+              <a:t>BehaviorSubject</a:t>
+            </a:r>
+            <a:endParaRPr lang="en-US" sz="1600" b="1" dirty="0"/>
+          </a:p>
+          <a:p>
+            <a:pPr marL="406644" lvl="2" indent="-171450"/>
+            <a:r>
+              <a:rPr lang="en-US" sz="1400" dirty="0"/>
+              <a:t>Subject that emits the most recent item it has observed and all subsequent observed items to each subscribed Observer.</a:t>
+            </a:r>
+            <a:br>
+              <a:rPr lang="en-US" sz="1400" dirty="0"/>
+            </a:br>
+            <a:endParaRPr lang="en-US" sz="1400" dirty="0"/>
+          </a:p>
+          <a:p>
+            <a:br>
+              <a:rPr lang="en-US" dirty="0"/>
+            </a:br>
+            <a:endParaRPr lang="en-US" dirty="0"/>
+          </a:p>
+        </p:txBody>
+      </p:sp>
+      <p:pic>
+        <p:nvPicPr>
+          <p:cNvPr id="7" name="Picture 6">
+            <a:extLst>
+              <a:ext uri="{FF2B5EF4-FFF2-40B4-BE49-F238E27FC236}">
+                <a16:creationId xmlns:a16="http://schemas.microsoft.com/office/drawing/2014/main" id="{9DAEA52F-397E-3D4B-855B-8E541EC93FD2}"/>
+              </a:ext>
+            </a:extLst>
+          </p:cNvPr>
+          <p:cNvPicPr>
+            <a:picLocks noChangeAspect="1"/>
+          </p:cNvPicPr>
+          <p:nvPr/>
+        </p:nvPicPr>
+        <p:blipFill>
+          <a:blip r:embed="rId2"/>
+          <a:stretch>
+            <a:fillRect/>
+          </a:stretch>
+        </p:blipFill>
+        <p:spPr>
+          <a:xfrm>
+            <a:off x="2239248" y="2458720"/>
+            <a:ext cx="5649991" cy="3544570"/>
+          </a:xfrm>
+          <a:prstGeom prst="rect">
+            <a:avLst/>
+          </a:prstGeom>
+        </p:spPr>
+      </p:pic>
+    </p:spTree>
+    <p:extLst>
+      <p:ext uri="{BB962C8B-B14F-4D97-AF65-F5344CB8AC3E}">
+        <p14:creationId xmlns:p14="http://schemas.microsoft.com/office/powerpoint/2010/main" val="2036147532"/>
+      </p:ext>
+    </p:extLst>
+  </p:cSld>
+  <p:clrMapOvr>
+    <a:masterClrMapping/>
+  </p:clrMapOvr>
+  <p:transition>
+    <p:fade/>
+  </p:transition>
+</p:sld>
+</file>
+
+<file path=ppt/slides/slide22.xml><?xml version="1.0" encoding="utf-8"?>
+<p:sld xmlns:a="http://schemas.openxmlformats.org/drawingml/2006/main" xmlns:r="http://schemas.openxmlformats.org/officeDocument/2006/relationships" xmlns:p="http://schemas.openxmlformats.org/presentationml/2006/main">
+  <p:cSld>
+    <p:spTree>
+      <p:nvGrpSpPr>
+        <p:cNvPr id="1" name=""/>
+        <p:cNvGrpSpPr/>
+        <p:nvPr/>
+      </p:nvGrpSpPr>
+      <p:grpSpPr>
+        <a:xfrm>
+          <a:off x="0" y="0"/>
+          <a:ext cx="0" cy="0"/>
+          <a:chOff x="0" y="0"/>
+          <a:chExt cx="0" cy="0"/>
+        </a:xfrm>
+      </p:grpSpPr>
+      <p:sp>
+        <p:nvSpPr>
+          <p:cNvPr id="2" name="Text Placeholder 1">
+            <a:extLst>
+              <a:ext uri="{FF2B5EF4-FFF2-40B4-BE49-F238E27FC236}">
+                <a16:creationId xmlns:a16="http://schemas.microsoft.com/office/drawing/2014/main" id="{A982DCF9-B854-1945-A74D-EE5834AA76FB}"/>
+              </a:ext>
+            </a:extLst>
+          </p:cNvPr>
+          <p:cNvSpPr>
+            <a:spLocks noGrp="1"/>
+          </p:cNvSpPr>
+          <p:nvPr>
+            <p:ph type="body" sz="quarter" idx="13"/>
+          </p:nvPr>
+        </p:nvSpPr>
+        <p:spPr/>
+        <p:txBody>
+          <a:bodyPr/>
+          <a:lstStyle/>
+          <a:p>
+            <a:endParaRPr lang="en-US"/>
+          </a:p>
+        </p:txBody>
+      </p:sp>
+      <p:sp>
+        <p:nvSpPr>
+          <p:cNvPr id="3" name="Title 2">
+            <a:extLst>
+              <a:ext uri="{FF2B5EF4-FFF2-40B4-BE49-F238E27FC236}">
+                <a16:creationId xmlns:a16="http://schemas.microsoft.com/office/drawing/2014/main" id="{DA2DCC38-F1F8-3F4E-A32A-B7355854025D}"/>
+              </a:ext>
+            </a:extLst>
+          </p:cNvPr>
+          <p:cNvSpPr>
+            <a:spLocks noGrp="1"/>
+          </p:cNvSpPr>
+          <p:nvPr>
+            <p:ph type="title"/>
+          </p:nvPr>
+        </p:nvSpPr>
+        <p:spPr/>
+        <p:txBody>
+          <a:bodyPr/>
+          <a:lstStyle/>
+          <a:p>
+            <a:r>
+              <a:rPr lang="en-US" dirty="0"/>
+              <a:t>Backpressure</a:t>
+            </a:r>
+          </a:p>
+        </p:txBody>
+      </p:sp>
+      <p:sp>
+        <p:nvSpPr>
+          <p:cNvPr id="4" name="Content Placeholder 3">
+            <a:extLst>
+              <a:ext uri="{FF2B5EF4-FFF2-40B4-BE49-F238E27FC236}">
+                <a16:creationId xmlns:a16="http://schemas.microsoft.com/office/drawing/2014/main" id="{F0F094CA-0A0F-E641-B146-6DDF3E5EA20F}"/>
+              </a:ext>
+            </a:extLst>
+          </p:cNvPr>
+          <p:cNvSpPr>
+            <a:spLocks noGrp="1"/>
+          </p:cNvSpPr>
+          <p:nvPr>
+            <p:ph idx="1"/>
+          </p:nvPr>
+        </p:nvSpPr>
+        <p:spPr/>
+        <p:txBody>
+          <a:bodyPr/>
+          <a:lstStyle/>
+          <a:p>
+            <a:pPr marL="171450" indent="-171450">
+              <a:buFont typeface="Arial" panose="020B0604020202020204" pitchFamily="34" charset="0"/>
+              <a:buChar char="•"/>
+            </a:pPr>
+            <a:r>
+              <a:rPr lang="en-US" sz="1400" dirty="0"/>
+              <a:t>In </a:t>
+            </a:r>
+            <a:r>
+              <a:rPr lang="en-US" sz="1400" dirty="0" err="1"/>
+              <a:t>RxJava</a:t>
+            </a:r>
+            <a:r>
+              <a:rPr lang="en-US" sz="1400" dirty="0"/>
+              <a:t> 2, the backpressure enabled interfaces are the ones inspired from (and extending) the Reactive Streams implementation in JDK 9</a:t>
+            </a:r>
+          </a:p>
+          <a:p>
+            <a:pPr marL="171450" indent="-171450">
+              <a:buFont typeface="Arial" panose="020B0604020202020204" pitchFamily="34" charset="0"/>
+              <a:buChar char="•"/>
+            </a:pPr>
+            <a:r>
+              <a:rPr lang="en-US" sz="1400" dirty="0"/>
+              <a:t>In particular, the </a:t>
+            </a:r>
+            <a:r>
+              <a:rPr lang="en-US" sz="1400" b="1" dirty="0" err="1"/>
+              <a:t>Flowable</a:t>
+            </a:r>
+            <a:r>
+              <a:rPr lang="en-US" sz="1400" dirty="0"/>
+              <a:t> interface offers a variety of backpressure operators:</a:t>
+            </a:r>
+          </a:p>
+          <a:p>
+            <a:pPr marL="406644" lvl="2" indent="-171450"/>
+            <a:r>
+              <a:rPr lang="en-US" b="1" dirty="0" err="1"/>
+              <a:t>onBackpressureBuffer</a:t>
+            </a:r>
+            <a:r>
+              <a:rPr lang="en-US" b="1" dirty="0"/>
+              <a:t>() – </a:t>
+            </a:r>
+            <a:r>
+              <a:rPr lang="en-US" dirty="0"/>
+              <a:t>accept only buffer-size items</a:t>
+            </a:r>
+          </a:p>
+          <a:p>
+            <a:pPr marL="406644" lvl="2" indent="-171450"/>
+            <a:r>
+              <a:rPr lang="en-US" b="1" dirty="0" err="1"/>
+              <a:t>onBackpressureDrop</a:t>
+            </a:r>
+            <a:r>
+              <a:rPr lang="en-US" b="1" dirty="0"/>
+              <a:t>() – </a:t>
+            </a:r>
+            <a:r>
+              <a:rPr lang="en-US" dirty="0"/>
+              <a:t>the items will be dropped if the downstream is not ready to receive</a:t>
+            </a:r>
+          </a:p>
+          <a:p>
+            <a:pPr marL="406644" lvl="2" indent="-171450"/>
+            <a:r>
+              <a:rPr lang="en-US" b="1" dirty="0" err="1"/>
+              <a:t>onBackpressureLatest</a:t>
+            </a:r>
+            <a:r>
+              <a:rPr lang="en-US" b="1" dirty="0"/>
+              <a:t>() - </a:t>
+            </a:r>
+            <a:r>
+              <a:rPr lang="en-US" dirty="0"/>
+              <a:t> keeps only the latest value and practically overwrites older, undelivered values</a:t>
+            </a:r>
+            <a:endParaRPr lang="en-US" b="1" dirty="0"/>
+          </a:p>
+          <a:p>
+            <a:pPr marL="406644" lvl="2" indent="-171450"/>
+            <a:endParaRPr lang="en-US" b="1" dirty="0"/>
+          </a:p>
+          <a:p>
+            <a:pPr marL="171450" indent="-171450">
+              <a:buFont typeface="Arial" panose="020B0604020202020204" pitchFamily="34" charset="0"/>
+              <a:buChar char="•"/>
+            </a:pPr>
+            <a:r>
+              <a:rPr lang="en-US" dirty="0"/>
+              <a:t>Also, we can achieve backpressure by using a </a:t>
+            </a:r>
+            <a:r>
+              <a:rPr lang="en-US" dirty="0" err="1"/>
+              <a:t>PublishProcessor</a:t>
+            </a:r>
+            <a:r>
+              <a:rPr lang="en-US" dirty="0"/>
+              <a:t> with a </a:t>
+            </a:r>
+            <a:r>
+              <a:rPr lang="en-US" b="1" dirty="0"/>
+              <a:t>buffer </a:t>
+            </a:r>
+            <a:r>
+              <a:rPr lang="en-US" dirty="0"/>
+              <a:t>operator:</a:t>
+            </a:r>
+          </a:p>
+          <a:p>
+            <a:pPr marL="646638" lvl="3" indent="-171450"/>
+            <a:r>
+              <a:rPr lang="en-US" dirty="0" err="1"/>
+              <a:t>PublishProcessor.</a:t>
+            </a:r>
+            <a:r>
+              <a:rPr lang="en-US" i="1" dirty="0" err="1"/>
+              <a:t>create</a:t>
+            </a:r>
+            <a:r>
+              <a:rPr lang="en-US" dirty="0"/>
+              <a:t>().buffer(1024)</a:t>
+            </a:r>
+          </a:p>
+          <a:p>
+            <a:pPr marL="406644" lvl="2" indent="-171450"/>
+            <a:r>
+              <a:rPr lang="en-US" dirty="0"/>
+              <a:t>Or with a time </a:t>
+            </a:r>
+            <a:r>
+              <a:rPr lang="en-US" b="1" dirty="0"/>
+              <a:t>sample </a:t>
+            </a:r>
+            <a:r>
+              <a:rPr lang="en-US" dirty="0"/>
+              <a:t>operator:</a:t>
+            </a:r>
+          </a:p>
+          <a:p>
+            <a:pPr marL="646638" lvl="3" indent="-171450"/>
+            <a:r>
+              <a:rPr lang="en-US" dirty="0" err="1"/>
+              <a:t>PublishProcessor.</a:t>
+            </a:r>
+            <a:r>
+              <a:rPr lang="en-US" i="1" dirty="0" err="1"/>
+              <a:t>create</a:t>
+            </a:r>
+            <a:r>
+              <a:rPr lang="en-US" dirty="0"/>
+              <a:t>().sample(1, </a:t>
+            </a:r>
+            <a:r>
+              <a:rPr lang="en-US" dirty="0" err="1"/>
+              <a:t>TimeUnit.</a:t>
+            </a:r>
+            <a:r>
+              <a:rPr lang="en-US" i="1" dirty="0" err="1"/>
+              <a:t>MILLISECONDS</a:t>
+            </a:r>
+            <a:r>
+              <a:rPr lang="en-US" dirty="0"/>
+              <a:t>)</a:t>
+            </a:r>
+            <a:br>
+              <a:rPr lang="en-US" dirty="0"/>
+            </a:br>
+            <a:endParaRPr lang="en-US" dirty="0"/>
+          </a:p>
+          <a:p>
+            <a:pPr marL="406644" lvl="2" indent="-171450"/>
+            <a:endParaRPr lang="en-US" sz="1400" dirty="0"/>
+          </a:p>
+        </p:txBody>
+      </p:sp>
+    </p:spTree>
+    <p:extLst>
+      <p:ext uri="{BB962C8B-B14F-4D97-AF65-F5344CB8AC3E}">
+        <p14:creationId xmlns:p14="http://schemas.microsoft.com/office/powerpoint/2010/main" val="1897246383"/>
+      </p:ext>
+    </p:extLst>
+  </p:cSld>
+  <p:clrMapOvr>
+    <a:masterClrMapping/>
+  </p:clrMapOvr>
+  <p:transition>
+    <p:fade/>
+  </p:transition>
+</p:sld>
+</file>
+
+<file path=ppt/slides/slide23.xml><?xml version="1.0" encoding="utf-8"?>
+<p:sld xmlns:a="http://schemas.openxmlformats.org/drawingml/2006/main" xmlns:r="http://schemas.openxmlformats.org/officeDocument/2006/relationships" xmlns:p="http://schemas.openxmlformats.org/presentationml/2006/main">
+  <p:cSld>
+    <p:spTree>
+      <p:nvGrpSpPr>
+        <p:cNvPr id="1" name=""/>
+        <p:cNvGrpSpPr/>
+        <p:nvPr/>
+      </p:nvGrpSpPr>
+      <p:grpSpPr>
+        <a:xfrm>
+          <a:off x="0" y="0"/>
+          <a:ext cx="0" cy="0"/>
+          <a:chOff x="0" y="0"/>
+          <a:chExt cx="0" cy="0"/>
+        </a:xfrm>
+      </p:grpSpPr>
+      <p:sp>
+        <p:nvSpPr>
           <p:cNvPr id="10" name="Title 9">
             <a:extLst>
               <a:ext uri="{FF2B5EF4-FFF2-40B4-BE49-F238E27FC236}">
@@ -47787,8 +48424,12 @@
               <a:t> - </a:t>
             </a:r>
             <a:r>
+              <a:rPr lang="en-US" sz="1400" b="1" i="1" dirty="0" err="1"/>
+              <a:t>ReactiveX</a:t>
+            </a:r>
+            <a:r>
               <a:rPr lang="en-US" sz="1400" b="1" i="1" dirty="0"/>
-              <a:t>The Technology Compatibility Kit (TCK) </a:t>
+              <a:t> initiative website</a:t>
             </a:r>
           </a:p>
           <a:p>
@@ -47801,12 +48442,9 @@
               <a:rPr lang="en-US" sz="1400" b="1" i="1" dirty="0">
                 <a:hlinkClick r:id="rId2"/>
               </a:rPr>
-              <a:t>https://github.com/reactive-streams/reactive-streams-jvm</a:t>
-            </a:r>
-            <a:r>
-              <a:rPr lang="en-US" sz="1400" b="1" i="1" dirty="0"/>
-              <a:t> </a:t>
-            </a:r>
+              <a:t>http://reactivex.io/</a:t>
+            </a:r>
+            <a:endParaRPr lang="en-US" sz="1400" b="1" i="1" dirty="0"/>
           </a:p>
           <a:p>
             <a:pPr>
@@ -47824,7 +48462,23 @@
             </a:pPr>
             <a:r>
               <a:rPr lang="en-US" sz="1400" b="1" i="1" dirty="0"/>
-              <a:t> - Reactive Streams organization official site </a:t>
+              <a:t> - </a:t>
+            </a:r>
+            <a:r>
+              <a:rPr lang="en-US" sz="1400" b="1" i="1" dirty="0" err="1"/>
+              <a:t>RxJava</a:t>
+            </a:r>
+            <a:r>
+              <a:rPr lang="en-US" sz="1400" b="1" i="1" dirty="0"/>
+              <a:t> </a:t>
+            </a:r>
+            <a:r>
+              <a:rPr lang="en-US" sz="1400" b="1" i="1" dirty="0" err="1"/>
+              <a:t>Github</a:t>
+            </a:r>
+            <a:r>
+              <a:rPr lang="en-US" sz="1400" b="1" i="1" dirty="0"/>
+              <a:t> page </a:t>
             </a:r>
           </a:p>
           <a:p>
@@ -47837,12 +48491,9 @@
               <a:rPr lang="en-US" sz="1400" b="1" i="1" dirty="0">
                 <a:hlinkClick r:id="rId3"/>
               </a:rPr>
-              <a:t>http://www.reactive-streams.org/</a:t>
-            </a:r>
-            <a:r>
-              <a:rPr lang="en-US" sz="1400" b="1" i="1" dirty="0"/>
-              <a:t>  </a:t>
-            </a:r>
+              <a:t>https://github.com/ReactiveX/RxJava</a:t>
+            </a:r>
+            <a:endParaRPr lang="en-US" sz="1400" b="1" i="1" dirty="0"/>
           </a:p>
           <a:p>
             <a:pPr>
@@ -47860,7 +48511,7 @@
             </a:pPr>
             <a:r>
               <a:rPr lang="en-US" sz="1400" b="1" i="1" dirty="0"/>
-              <a:t> - Spring Reactive Web Framework introduction </a:t>
+              <a:t> - Understanding marble diagrams</a:t>
             </a:r>
           </a:p>
           <a:p>
@@ -47873,12 +48524,9 @@
               <a:rPr lang="en-US" sz="1400" b="1" i="1" dirty="0">
                 <a:hlinkClick r:id="rId4"/>
               </a:rPr>
-              <a:t>http://www.baeldung.com/spring-5-functional-web</a:t>
-            </a:r>
-            <a:r>
-              <a:rPr lang="en-US" sz="1400" b="1" i="1" dirty="0"/>
-              <a:t> </a:t>
-            </a:r>
+              <a:t>https://medium.com/@jshvarts/read-marble-diagrams-like-a-pro-3d72934d3ef5</a:t>
+            </a:r>
+            <a:endParaRPr lang="en-US" sz="1400" b="1" i="1" dirty="0"/>
           </a:p>
           <a:p>
             <a:pPr>
@@ -47896,8 +48544,13 @@
             </a:pPr>
             <a:r>
               <a:rPr lang="en-US" sz="1400" b="1" i="1" dirty="0"/>
-              <a:t> - Journey into Reactive Streams </a:t>
-            </a:r>
+              <a:t> - Useful samples of </a:t>
+            </a:r>
+            <a:r>
+              <a:rPr lang="en-US" sz="1400" b="1" i="1" dirty="0" err="1"/>
+              <a:t>RxJava</a:t>
+            </a:r>
+            <a:endParaRPr lang="en-US" sz="1400" b="1" i="1" dirty="0"/>
           </a:p>
           <a:p>
             <a:pPr>
@@ -47909,7 +48562,7 @@
               <a:rPr lang="en-US" sz="1400" b="1" i="1" dirty="0">
                 <a:hlinkClick r:id="rId5"/>
               </a:rPr>
-              <a:t>https://blog.redelastic.com/a-journey-into-reactive-streams-5ee2a9cd7e29</a:t>
+              <a:t>https://www.infoq.com/articles/rxjava2-by-example</a:t>
             </a:r>
             <a:endParaRPr lang="en-US" sz="1400" b="1" i="1" dirty="0"/>
           </a:p>
@@ -47970,7 +48623,7 @@
 </p:sld>
 </file>
 
-<file path=ppt/slides/slide21.xml><?xml version="1.0" encoding="utf-8"?>
+<file path=ppt/slides/slide24.xml><?xml version="1.0" encoding="utf-8"?>
 <p:sld xmlns:a="http://schemas.openxmlformats.org/drawingml/2006/main" xmlns:r="http://schemas.openxmlformats.org/officeDocument/2006/relationships" xmlns:p="http://schemas.openxmlformats.org/presentationml/2006/main">
   <p:cSld>
     <p:spTree>
@@ -49455,15 +50108,7 @@
             <a:pPr marL="406644" lvl="2" indent="-171450"/>
             <a:r>
               <a:rPr lang="en-US" sz="1400" dirty="0"/>
-              <a:t>When your platform is essentially </a:t>
-            </a:r>
-            <a:r>
-              <a:rPr lang="en-US" sz="1400" dirty="0" err="1"/>
-              <a:t>syncrhonrous</a:t>
-            </a:r>
-            <a:r>
-              <a:rPr lang="en-US" sz="1400" dirty="0"/>
-              <a:t> and the Observable introduces less overhead</a:t>
+              <a:t>When your platform is essentially synchronous and the Observable introduces less overhead</a:t>
             </a:r>
           </a:p>
           <a:p>
@@ -51420,66 +52065,6 @@
 </file>
 
 <file path=customXml/item1.xml><?xml version="1.0" encoding="utf-8"?>
-<p:properties xmlns:p="http://schemas.microsoft.com/office/2006/metadata/properties" xmlns:xsi="http://www.w3.org/2001/XMLSchema-instance" xmlns:pc="http://schemas.microsoft.com/office/infopath/2007/PartnerControls">
-  <documentManagement>
-    <LanguageBTaxHTField0 xmlns="39C40E9B-856B-46A7-8793-65A6FC1828D8">
-      <Terms xmlns="http://schemas.microsoft.com/office/infopath/2007/PartnerControls">
-        <TermInfo xmlns="http://schemas.microsoft.com/office/infopath/2007/PartnerControls">
-          <TermName xmlns="http://schemas.microsoft.com/office/infopath/2007/PartnerControls">English</TermName>
-          <TermId xmlns="http://schemas.microsoft.com/office/infopath/2007/PartnerControls">b169a262-1aaa-4ccb-9acf-78a36c1d9bab</TermId>
-        </TermInfo>
-      </Terms>
-    </LanguageBTaxHTField0>
-    <TaxCatchAll xmlns="8315673e-6c53-4db2-9864-725b19b971c7">
-      <Value>2</Value>
-      <Value>1</Value>
-    </TaxCatchAll>
-    <TaxKeywordTaxHTField xmlns="8315673e-6c53-4db2-9864-725b19b971c7">
-      <Terms xmlns="http://schemas.microsoft.com/office/infopath/2007/PartnerControls"/>
-    </TaxKeywordTaxHTField>
-    <SearchComment xmlns="8315673e-6c53-4db2-9864-725b19b971c7" xsi:nil="true"/>
-    <Global_x0020_Client_x0020_ServicesTaxHTField0 xmlns="7D1768DD-F29E-4DC2-9191-F2636B9FA92C">
-      <Terms xmlns="http://schemas.microsoft.com/office/infopath/2007/PartnerControls"/>
-    </Global_x0020_Client_x0020_ServicesTaxHTField0>
-    <Local_x0020_Content_x0020_TypeTaxHTField0 xmlns="8DD08C88-CC4C-4D35-9129-A70DAA36BE5E">
-      <Terms xmlns="http://schemas.microsoft.com/office/infopath/2007/PartnerControls"/>
-    </Local_x0020_Content_x0020_TypeTaxHTField0>
-    <SearchKeywords xmlns="8315673e-6c53-4db2-9864-725b19b971c7" xsi:nil="true"/>
-    <Global_x0020_Content_x0020_TypeTaxHTField0 xmlns="8DD08C88-CC4C-4D35-9129-A70DAA36BE5E">
-      <Terms xmlns="http://schemas.microsoft.com/office/infopath/2007/PartnerControls"/>
-    </Global_x0020_Content_x0020_TypeTaxHTField0>
-    <GeographyTaxHTField0 xmlns="5a51c775-c49c-428b-8c1e-2f89178d00f4">
-      <Terms xmlns="http://schemas.microsoft.com/office/infopath/2007/PartnerControls">
-        <TermInfo xmlns="http://schemas.microsoft.com/office/infopath/2007/PartnerControls">
-          <TermName xmlns="http://schemas.microsoft.com/office/infopath/2007/PartnerControls">Romania (RO) (2402)</TermName>
-          <TermId xmlns="http://schemas.microsoft.com/office/infopath/2007/PartnerControls">fcfc4bdf-9062-4171-84d1-429b49b275a2</TermId>
-        </TermInfo>
-      </Terms>
-    </GeographyTaxHTField0>
-    <PublishingExpirationDate xmlns="http://schemas.microsoft.com/sharepoint/v3" xsi:nil="true"/>
-    <Local_x0020_Client_x0020_ServicesTaxHTField0 xmlns="7D1768DD-F29E-4DC2-9191-F2636B9FA92C">
-      <Terms xmlns="http://schemas.microsoft.com/office/infopath/2007/PartnerControls"/>
-    </Local_x0020_Client_x0020_ServicesTaxHTField0>
-    <DR_Description xmlns="203f0f4d-b3b9-4ed8-8c19-eebed11dd308" xsi:nil="true"/>
-    <PublishingStartDate xmlns="http://schemas.microsoft.com/sharepoint/v3" xsi:nil="true"/>
-    <Local_x0020_IndustryTaxHTField0 xmlns="83DDB362-4C05-4E52-A8D9-EF2F47978B8D">
-      <Terms xmlns="http://schemas.microsoft.com/office/infopath/2007/PartnerControls"/>
-    </Local_x0020_IndustryTaxHTField0>
-    <Global_x0020_IndustryTaxHTField0 xmlns="83DDB362-4C05-4E52-A8D9-EF2F47978B8D">
-      <Terms xmlns="http://schemas.microsoft.com/office/infopath/2007/PartnerControls"/>
-    </Global_x0020_IndustryTaxHTField0>
-    <PublishingContact xmlns="http://schemas.microsoft.com/sharepoint/v3">
-      <UserInfo>
-        <DisplayName/>
-        <AccountId xsi:nil="true"/>
-        <AccountType/>
-      </UserInfo>
-    </PublishingContact>
-  </documentManagement>
-</p:properties>
-</file>
-
-<file path=customXml/item2.xml><?xml version="1.0" encoding="utf-8"?>
 <?mso-contentType ?>
 <FormTemplates xmlns="http://schemas.microsoft.com/sharepoint/v3/contenttype/forms">
   <Display>DocumentLibraryForm</Display>
@@ -51488,7 +52073,7 @@
 </FormTemplates>
 </file>
 
-<file path=customXml/item3.xml><?xml version="1.0" encoding="utf-8"?>
+<file path=customXml/item2.xml><?xml version="1.0" encoding="utf-8"?>
 <ct:contentTypeSchema xmlns:ct="http://schemas.microsoft.com/office/2006/metadata/contentType" xmlns:ma="http://schemas.microsoft.com/office/2006/metadata/properties/metaAttributes" ct:_="" ma:_="" ma:contentTypeName="Intranet Attachment" ma:contentTypeID="0x01010045A37AAC9C7144A6950E04930CA3134B0089AE5B1B1D9AF949B256CAA2DE39D3C6" ma:contentTypeVersion="9" ma:contentTypeDescription="Intranet Attachment - Content Type" ma:contentTypeScope="" ma:versionID="a0daffe0ec7d2ae50deb9881dcc303f8">
   <xsd:schema xmlns:xsd="http://www.w3.org/2001/XMLSchema" xmlns:xs="http://www.w3.org/2001/XMLSchema" xmlns:p="http://schemas.microsoft.com/office/2006/metadata/properties" xmlns:ns1="http://schemas.microsoft.com/sharepoint/v3" xmlns:ns2="8DD08C88-CC4C-4D35-9129-A70DAA36BE5E" xmlns:ns4="83DDB362-4C05-4E52-A8D9-EF2F47978B8D" xmlns:ns5="7D1768DD-F29E-4DC2-9191-F2636B9FA92C" xmlns:ns6="5a51c775-c49c-428b-8c1e-2f89178d00f4" xmlns:ns7="8315673e-6c53-4db2-9864-725b19b971c7" xmlns:ns8="39C40E9B-856B-46A7-8793-65A6FC1828D8" xmlns:ns10="203f0f4d-b3b9-4ed8-8c19-eebed11dd308" targetNamespace="http://schemas.microsoft.com/office/2006/metadata/properties" ma:root="true" ma:fieldsID="572d33e1e9d74ba97025af8d8fb6e41b" ns1:_="" ns2:_="" ns4:_="" ns5:_="" ns6:_="" ns7:_="" ns8:_="" ns10:_="">
     <xsd:import namespace="http://schemas.microsoft.com/sharepoint/v3"/>
@@ -51783,30 +52368,67 @@
 </ct:contentTypeSchema>
 </file>
 
-<file path=customXml/itemProps1.xml><?xml version="1.0" encoding="utf-8"?>
-<ds:datastoreItem xmlns:ds="http://schemas.openxmlformats.org/officeDocument/2006/customXml" ds:itemID="{4C250C05-29F8-4E49-B8D5-9F70060773CF}">
-  <ds:schemaRefs>
-    <ds:schemaRef ds:uri="5a51c775-c49c-428b-8c1e-2f89178d00f4"/>
-    <ds:schemaRef ds:uri="203f0f4d-b3b9-4ed8-8c19-eebed11dd308"/>
-    <ds:schemaRef ds:uri="http://schemas.microsoft.com/office/2006/documentManagement/types"/>
-    <ds:schemaRef ds:uri="http://purl.org/dc/terms/"/>
-    <ds:schemaRef ds:uri="http://schemas.microsoft.com/office/infopath/2007/PartnerControls"/>
-    <ds:schemaRef ds:uri="http://schemas.openxmlformats.org/package/2006/metadata/core-properties"/>
-    <ds:schemaRef ds:uri="8DD08C88-CC4C-4D35-9129-A70DAA36BE5E"/>
-    <ds:schemaRef ds:uri="http://schemas.microsoft.com/office/2006/metadata/properties"/>
-    <ds:schemaRef ds:uri="http://www.w3.org/XML/1998/namespace"/>
-    <ds:schemaRef ds:uri="7D1768DD-F29E-4DC2-9191-F2636B9FA92C"/>
-    <ds:schemaRef ds:uri="8315673e-6c53-4db2-9864-725b19b971c7"/>
-    <ds:schemaRef ds:uri="http://schemas.microsoft.com/sharepoint/v3"/>
-    <ds:schemaRef ds:uri="http://purl.org/dc/dcmitype/"/>
-    <ds:schemaRef ds:uri="http://purl.org/dc/elements/1.1/"/>
-    <ds:schemaRef ds:uri="83DDB362-4C05-4E52-A8D9-EF2F47978B8D"/>
-    <ds:schemaRef ds:uri="39C40E9B-856B-46A7-8793-65A6FC1828D8"/>
-  </ds:schemaRefs>
-</ds:datastoreItem>
+<file path=customXml/item3.xml><?xml version="1.0" encoding="utf-8"?>
+<p:properties xmlns:p="http://schemas.microsoft.com/office/2006/metadata/properties" xmlns:xsi="http://www.w3.org/2001/XMLSchema-instance" xmlns:pc="http://schemas.microsoft.com/office/infopath/2007/PartnerControls">
+  <documentManagement>
+    <LanguageBTaxHTField0 xmlns="39C40E9B-856B-46A7-8793-65A6FC1828D8">
+      <Terms xmlns="http://schemas.microsoft.com/office/infopath/2007/PartnerControls">
+        <TermInfo xmlns="http://schemas.microsoft.com/office/infopath/2007/PartnerControls">
+          <TermName xmlns="http://schemas.microsoft.com/office/infopath/2007/PartnerControls">English</TermName>
+          <TermId xmlns="http://schemas.microsoft.com/office/infopath/2007/PartnerControls">b169a262-1aaa-4ccb-9acf-78a36c1d9bab</TermId>
+        </TermInfo>
+      </Terms>
+    </LanguageBTaxHTField0>
+    <TaxCatchAll xmlns="8315673e-6c53-4db2-9864-725b19b971c7">
+      <Value>2</Value>
+      <Value>1</Value>
+    </TaxCatchAll>
+    <TaxKeywordTaxHTField xmlns="8315673e-6c53-4db2-9864-725b19b971c7">
+      <Terms xmlns="http://schemas.microsoft.com/office/infopath/2007/PartnerControls"/>
+    </TaxKeywordTaxHTField>
+    <SearchComment xmlns="8315673e-6c53-4db2-9864-725b19b971c7" xsi:nil="true"/>
+    <Global_x0020_Client_x0020_ServicesTaxHTField0 xmlns="7D1768DD-F29E-4DC2-9191-F2636B9FA92C">
+      <Terms xmlns="http://schemas.microsoft.com/office/infopath/2007/PartnerControls"/>
+    </Global_x0020_Client_x0020_ServicesTaxHTField0>
+    <Local_x0020_Content_x0020_TypeTaxHTField0 xmlns="8DD08C88-CC4C-4D35-9129-A70DAA36BE5E">
+      <Terms xmlns="http://schemas.microsoft.com/office/infopath/2007/PartnerControls"/>
+    </Local_x0020_Content_x0020_TypeTaxHTField0>
+    <SearchKeywords xmlns="8315673e-6c53-4db2-9864-725b19b971c7" xsi:nil="true"/>
+    <Global_x0020_Content_x0020_TypeTaxHTField0 xmlns="8DD08C88-CC4C-4D35-9129-A70DAA36BE5E">
+      <Terms xmlns="http://schemas.microsoft.com/office/infopath/2007/PartnerControls"/>
+    </Global_x0020_Content_x0020_TypeTaxHTField0>
+    <GeographyTaxHTField0 xmlns="5a51c775-c49c-428b-8c1e-2f89178d00f4">
+      <Terms xmlns="http://schemas.microsoft.com/office/infopath/2007/PartnerControls">
+        <TermInfo xmlns="http://schemas.microsoft.com/office/infopath/2007/PartnerControls">
+          <TermName xmlns="http://schemas.microsoft.com/office/infopath/2007/PartnerControls">Romania (RO) (2402)</TermName>
+          <TermId xmlns="http://schemas.microsoft.com/office/infopath/2007/PartnerControls">fcfc4bdf-9062-4171-84d1-429b49b275a2</TermId>
+        </TermInfo>
+      </Terms>
+    </GeographyTaxHTField0>
+    <PublishingExpirationDate xmlns="http://schemas.microsoft.com/sharepoint/v3" xsi:nil="true"/>
+    <Local_x0020_Client_x0020_ServicesTaxHTField0 xmlns="7D1768DD-F29E-4DC2-9191-F2636B9FA92C">
+      <Terms xmlns="http://schemas.microsoft.com/office/infopath/2007/PartnerControls"/>
+    </Local_x0020_Client_x0020_ServicesTaxHTField0>
+    <DR_Description xmlns="203f0f4d-b3b9-4ed8-8c19-eebed11dd308" xsi:nil="true"/>
+    <PublishingStartDate xmlns="http://schemas.microsoft.com/sharepoint/v3" xsi:nil="true"/>
+    <Local_x0020_IndustryTaxHTField0 xmlns="83DDB362-4C05-4E52-A8D9-EF2F47978B8D">
+      <Terms xmlns="http://schemas.microsoft.com/office/infopath/2007/PartnerControls"/>
+    </Local_x0020_IndustryTaxHTField0>
+    <Global_x0020_IndustryTaxHTField0 xmlns="83DDB362-4C05-4E52-A8D9-EF2F47978B8D">
+      <Terms xmlns="http://schemas.microsoft.com/office/infopath/2007/PartnerControls"/>
+    </Global_x0020_IndustryTaxHTField0>
+    <PublishingContact xmlns="http://schemas.microsoft.com/sharepoint/v3">
+      <UserInfo>
+        <DisplayName/>
+        <AccountId xsi:nil="true"/>
+        <AccountType/>
+      </UserInfo>
+    </PublishingContact>
+  </documentManagement>
+</p:properties>
 </file>
 
-<file path=customXml/itemProps2.xml><?xml version="1.0" encoding="utf-8"?>
+<file path=customXml/itemProps1.xml><?xml version="1.0" encoding="utf-8"?>
 <ds:datastoreItem xmlns:ds="http://schemas.openxmlformats.org/officeDocument/2006/customXml" ds:itemID="{20CEB25D-8F19-45D9-8251-C4FB44F60D3E}">
   <ds:schemaRefs>
     <ds:schemaRef ds:uri="http://schemas.microsoft.com/sharepoint/v3/contenttype/forms"/>
@@ -51814,7 +52436,7 @@
 </ds:datastoreItem>
 </file>
 
-<file path=customXml/itemProps3.xml><?xml version="1.0" encoding="utf-8"?>
+<file path=customXml/itemProps2.xml><?xml version="1.0" encoding="utf-8"?>
 <ds:datastoreItem xmlns:ds="http://schemas.openxmlformats.org/officeDocument/2006/customXml" ds:itemID="{C0364326-30DB-4E99-8C7D-92E7B79BDEAA}">
   <ds:schemaRefs>
     <ds:schemaRef ds:uri="http://schemas.microsoft.com/office/2006/metadata/contentType"/>
@@ -51837,4 +52459,27 @@
     <ds:schemaRef ds:uri="http://schemas.microsoft.com/internal/obd"/>
   </ds:schemaRefs>
 </ds:datastoreItem>
+</file>
+
+<file path=customXml/itemProps3.xml><?xml version="1.0" encoding="utf-8"?>
+<ds:datastoreItem xmlns:ds="http://schemas.openxmlformats.org/officeDocument/2006/customXml" ds:itemID="{4C250C05-29F8-4E49-B8D5-9F70060773CF}">
+  <ds:schemaRefs>
+    <ds:schemaRef ds:uri="5a51c775-c49c-428b-8c1e-2f89178d00f4"/>
+    <ds:schemaRef ds:uri="203f0f4d-b3b9-4ed8-8c19-eebed11dd308"/>
+    <ds:schemaRef ds:uri="http://schemas.microsoft.com/office/2006/documentManagement/types"/>
+    <ds:schemaRef ds:uri="http://purl.org/dc/terms/"/>
+    <ds:schemaRef ds:uri="http://schemas.microsoft.com/office/infopath/2007/PartnerControls"/>
+    <ds:schemaRef ds:uri="http://schemas.openxmlformats.org/package/2006/metadata/core-properties"/>
+    <ds:schemaRef ds:uri="8DD08C88-CC4C-4D35-9129-A70DAA36BE5E"/>
+    <ds:schemaRef ds:uri="http://schemas.microsoft.com/office/2006/metadata/properties"/>
+    <ds:schemaRef ds:uri="http://www.w3.org/XML/1998/namespace"/>
+    <ds:schemaRef ds:uri="7D1768DD-F29E-4DC2-9191-F2636B9FA92C"/>
+    <ds:schemaRef ds:uri="8315673e-6c53-4db2-9864-725b19b971c7"/>
+    <ds:schemaRef ds:uri="http://schemas.microsoft.com/sharepoint/v3"/>
+    <ds:schemaRef ds:uri="http://purl.org/dc/dcmitype/"/>
+    <ds:schemaRef ds:uri="http://purl.org/dc/elements/1.1/"/>
+    <ds:schemaRef ds:uri="83DDB362-4C05-4E52-A8D9-EF2F47978B8D"/>
+    <ds:schemaRef ds:uri="39C40E9B-856B-46A7-8793-65A6FC1828D8"/>
+  </ds:schemaRefs>
+</ds:datastoreItem>
 </file>